--- a/src/Projects/WeatherInfoSystem/WeatherInfoSystem.pptx
+++ b/src/Projects/WeatherInfoSystem/WeatherInfoSystem.pptx
@@ -104,6 +104,11 @@
       </a:defRPr>
     </a:lvl9pPr>
   </p:defaultTextStyle>
+  <p:extLst>
+    <p:ext uri="{EFAFB233-063F-42B5-8137-9DF3F51BA10A}">
+      <p15:sldGuideLst xmlns:p15="http://schemas.microsoft.com/office/powerpoint/2012/main"/>
+    </p:ext>
+  </p:extLst>
 </p:presentation>
 </file>
 
@@ -256,7 +261,7 @@
           <a:p>
             <a:fld id="{727ACF3A-4986-C844-8696-A2B80C6D0935}" type="datetimeFigureOut">
               <a:rPr lang="en-TR" smtClean="0"/>
-              <a:t>10.02.2024</a:t>
+              <a:t>03/24/2024</a:t>
             </a:fld>
             <a:endParaRPr lang="en-TR"/>
           </a:p>
@@ -456,7 +461,7 @@
           <a:p>
             <a:fld id="{727ACF3A-4986-C844-8696-A2B80C6D0935}" type="datetimeFigureOut">
               <a:rPr lang="en-TR" smtClean="0"/>
-              <a:t>10.02.2024</a:t>
+              <a:t>03/24/2024</a:t>
             </a:fld>
             <a:endParaRPr lang="en-TR"/>
           </a:p>
@@ -666,7 +671,7 @@
           <a:p>
             <a:fld id="{727ACF3A-4986-C844-8696-A2B80C6D0935}" type="datetimeFigureOut">
               <a:rPr lang="en-TR" smtClean="0"/>
-              <a:t>10.02.2024</a:t>
+              <a:t>03/24/2024</a:t>
             </a:fld>
             <a:endParaRPr lang="en-TR"/>
           </a:p>
@@ -866,7 +871,7 @@
           <a:p>
             <a:fld id="{727ACF3A-4986-C844-8696-A2B80C6D0935}" type="datetimeFigureOut">
               <a:rPr lang="en-TR" smtClean="0"/>
-              <a:t>10.02.2024</a:t>
+              <a:t>03/24/2024</a:t>
             </a:fld>
             <a:endParaRPr lang="en-TR"/>
           </a:p>
@@ -1142,7 +1147,7 @@
           <a:p>
             <a:fld id="{727ACF3A-4986-C844-8696-A2B80C6D0935}" type="datetimeFigureOut">
               <a:rPr lang="en-TR" smtClean="0"/>
-              <a:t>10.02.2024</a:t>
+              <a:t>03/24/2024</a:t>
             </a:fld>
             <a:endParaRPr lang="en-TR"/>
           </a:p>
@@ -1410,7 +1415,7 @@
           <a:p>
             <a:fld id="{727ACF3A-4986-C844-8696-A2B80C6D0935}" type="datetimeFigureOut">
               <a:rPr lang="en-TR" smtClean="0"/>
-              <a:t>10.02.2024</a:t>
+              <a:t>03/24/2024</a:t>
             </a:fld>
             <a:endParaRPr lang="en-TR"/>
           </a:p>
@@ -1825,7 +1830,7 @@
           <a:p>
             <a:fld id="{727ACF3A-4986-C844-8696-A2B80C6D0935}" type="datetimeFigureOut">
               <a:rPr lang="en-TR" smtClean="0"/>
-              <a:t>10.02.2024</a:t>
+              <a:t>03/24/2024</a:t>
             </a:fld>
             <a:endParaRPr lang="en-TR"/>
           </a:p>
@@ -1967,7 +1972,7 @@
           <a:p>
             <a:fld id="{727ACF3A-4986-C844-8696-A2B80C6D0935}" type="datetimeFigureOut">
               <a:rPr lang="en-TR" smtClean="0"/>
-              <a:t>10.02.2024</a:t>
+              <a:t>03/24/2024</a:t>
             </a:fld>
             <a:endParaRPr lang="en-TR"/>
           </a:p>
@@ -2080,7 +2085,7 @@
           <a:p>
             <a:fld id="{727ACF3A-4986-C844-8696-A2B80C6D0935}" type="datetimeFigureOut">
               <a:rPr lang="en-TR" smtClean="0"/>
-              <a:t>10.02.2024</a:t>
+              <a:t>03/24/2024</a:t>
             </a:fld>
             <a:endParaRPr lang="en-TR"/>
           </a:p>
@@ -2393,7 +2398,7 @@
           <a:p>
             <a:fld id="{727ACF3A-4986-C844-8696-A2B80C6D0935}" type="datetimeFigureOut">
               <a:rPr lang="en-TR" smtClean="0"/>
-              <a:t>10.02.2024</a:t>
+              <a:t>03/24/2024</a:t>
             </a:fld>
             <a:endParaRPr lang="en-TR"/>
           </a:p>
@@ -2682,7 +2687,7 @@
           <a:p>
             <a:fld id="{727ACF3A-4986-C844-8696-A2B80C6D0935}" type="datetimeFigureOut">
               <a:rPr lang="en-TR" smtClean="0"/>
-              <a:t>10.02.2024</a:t>
+              <a:t>03/24/2024</a:t>
             </a:fld>
             <a:endParaRPr lang="en-TR"/>
           </a:p>
@@ -2925,7 +2930,7 @@
           <a:p>
             <a:fld id="{727ACF3A-4986-C844-8696-A2B80C6D0935}" type="datetimeFigureOut">
               <a:rPr lang="en-TR" smtClean="0"/>
-              <a:t>10.02.2024</a:t>
+              <a:t>03/24/2024</a:t>
             </a:fld>
             <a:endParaRPr lang="en-TR"/>
           </a:p>
@@ -3643,14 +3648,14 @@
             </a:extLst>
           </p:cNvPr>
           <p:cNvCxnSpPr>
-            <a:endCxn id="10" idx="0"/>
+            <a:cxnSpLocks/>
           </p:cNvCxnSpPr>
           <p:nvPr/>
         </p:nvCxnSpPr>
         <p:spPr>
           <a:xfrm flipH="1">
-            <a:off x="7333988" y="3876245"/>
-            <a:ext cx="356993" cy="1102853"/>
+            <a:off x="7423760" y="3876245"/>
+            <a:ext cx="267221" cy="908819"/>
           </a:xfrm>
           <a:prstGeom prst="straightConnector1">
             <a:avLst/>
@@ -3902,13 +3907,15 @@
               </a:ext>
             </a:extLst>
           </p:cNvPr>
-          <p:cNvCxnSpPr/>
+          <p:cNvCxnSpPr>
+            <a:cxnSpLocks/>
+          </p:cNvCxnSpPr>
           <p:nvPr/>
         </p:nvCxnSpPr>
         <p:spPr>
           <a:xfrm flipV="1">
-            <a:off x="4569913" y="4979098"/>
-            <a:ext cx="2162825" cy="179059"/>
+            <a:off x="4607511" y="4979098"/>
+            <a:ext cx="2125227" cy="245384"/>
           </a:xfrm>
           <a:prstGeom prst="straightConnector1">
             <a:avLst/>
